--- a/FrontEnd/Week1&2/Week 1&2.pptx
+++ b/FrontEnd/Week1&2/Week 1&2.pptx
@@ -16,6 +16,13 @@
     <p:sldId id="264" r:id="rId10"/>
     <p:sldId id="265" r:id="rId11"/>
     <p:sldId id="266" r:id="rId12"/>
+    <p:sldId id="267" r:id="rId13"/>
+    <p:sldId id="268" r:id="rId14"/>
+    <p:sldId id="269" r:id="rId15"/>
+    <p:sldId id="270" r:id="rId16"/>
+    <p:sldId id="271" r:id="rId17"/>
+    <p:sldId id="272" r:id="rId18"/>
+    <p:sldId id="273" r:id="rId19"/>
   </p:sldIdLst>
   <p:sldSz cx="12192000" cy="6858000"/>
   <p:notesSz cx="6858000" cy="9144000"/>
@@ -253,7 +260,7 @@
           <a:p>
             <a:fld id="{F28A4246-F2A7-4220-A405-8A96DAE08D6A}" type="datetimeFigureOut">
               <a:rPr lang="en-US" smtClean="0"/>
-              <a:t>1/5/25</a:t>
+              <a:t>1/9/25</a:t>
             </a:fld>
             <a:endParaRPr lang="en-US"/>
           </a:p>
@@ -423,7 +430,7 @@
           <a:p>
             <a:fld id="{F28A4246-F2A7-4220-A405-8A96DAE08D6A}" type="datetimeFigureOut">
               <a:rPr lang="en-US" smtClean="0"/>
-              <a:t>1/5/25</a:t>
+              <a:t>1/9/25</a:t>
             </a:fld>
             <a:endParaRPr lang="en-US"/>
           </a:p>
@@ -603,7 +610,7 @@
           <a:p>
             <a:fld id="{F28A4246-F2A7-4220-A405-8A96DAE08D6A}" type="datetimeFigureOut">
               <a:rPr lang="en-US" smtClean="0"/>
-              <a:t>1/5/25</a:t>
+              <a:t>1/9/25</a:t>
             </a:fld>
             <a:endParaRPr lang="en-US"/>
           </a:p>
@@ -773,7 +780,7 @@
           <a:p>
             <a:fld id="{F28A4246-F2A7-4220-A405-8A96DAE08D6A}" type="datetimeFigureOut">
               <a:rPr lang="en-US" smtClean="0"/>
-              <a:t>1/5/25</a:t>
+              <a:t>1/9/25</a:t>
             </a:fld>
             <a:endParaRPr lang="en-US"/>
           </a:p>
@@ -1019,7 +1026,7 @@
           <a:p>
             <a:fld id="{F28A4246-F2A7-4220-A405-8A96DAE08D6A}" type="datetimeFigureOut">
               <a:rPr lang="en-US" smtClean="0"/>
-              <a:t>1/5/25</a:t>
+              <a:t>1/9/25</a:t>
             </a:fld>
             <a:endParaRPr lang="en-US"/>
           </a:p>
@@ -1251,7 +1258,7 @@
           <a:p>
             <a:fld id="{F28A4246-F2A7-4220-A405-8A96DAE08D6A}" type="datetimeFigureOut">
               <a:rPr lang="en-US" smtClean="0"/>
-              <a:t>1/5/25</a:t>
+              <a:t>1/9/25</a:t>
             </a:fld>
             <a:endParaRPr lang="en-US"/>
           </a:p>
@@ -1618,7 +1625,7 @@
           <a:p>
             <a:fld id="{F28A4246-F2A7-4220-A405-8A96DAE08D6A}" type="datetimeFigureOut">
               <a:rPr lang="en-US" smtClean="0"/>
-              <a:t>1/5/25</a:t>
+              <a:t>1/9/25</a:t>
             </a:fld>
             <a:endParaRPr lang="en-US"/>
           </a:p>
@@ -1736,7 +1743,7 @@
           <a:p>
             <a:fld id="{F28A4246-F2A7-4220-A405-8A96DAE08D6A}" type="datetimeFigureOut">
               <a:rPr lang="en-US" smtClean="0"/>
-              <a:t>1/5/25</a:t>
+              <a:t>1/9/25</a:t>
             </a:fld>
             <a:endParaRPr lang="en-US"/>
           </a:p>
@@ -1831,7 +1838,7 @@
           <a:p>
             <a:fld id="{F28A4246-F2A7-4220-A405-8A96DAE08D6A}" type="datetimeFigureOut">
               <a:rPr lang="en-US" smtClean="0"/>
-              <a:t>1/5/25</a:t>
+              <a:t>1/9/25</a:t>
             </a:fld>
             <a:endParaRPr lang="en-US"/>
           </a:p>
@@ -2108,7 +2115,7 @@
           <a:p>
             <a:fld id="{F28A4246-F2A7-4220-A405-8A96DAE08D6A}" type="datetimeFigureOut">
               <a:rPr lang="en-US" smtClean="0"/>
-              <a:t>1/5/25</a:t>
+              <a:t>1/9/25</a:t>
             </a:fld>
             <a:endParaRPr lang="en-US"/>
           </a:p>
@@ -2365,7 +2372,7 @@
           <a:p>
             <a:fld id="{F28A4246-F2A7-4220-A405-8A96DAE08D6A}" type="datetimeFigureOut">
               <a:rPr lang="en-US" smtClean="0"/>
-              <a:t>1/5/25</a:t>
+              <a:t>1/9/25</a:t>
             </a:fld>
             <a:endParaRPr lang="en-US"/>
           </a:p>
@@ -2578,7 +2585,7 @@
           <a:p>
             <a:fld id="{F28A4246-F2A7-4220-A405-8A96DAE08D6A}" type="datetimeFigureOut">
               <a:rPr lang="en-US" smtClean="0"/>
-              <a:t>1/5/25</a:t>
+              <a:t>1/9/25</a:t>
             </a:fld>
             <a:endParaRPr lang="en-US"/>
           </a:p>
@@ -3348,6 +3355,826 @@
     <p:extLst>
       <p:ext uri="{BB962C8B-B14F-4D97-AF65-F5344CB8AC3E}">
         <p14:creationId xmlns:p14="http://schemas.microsoft.com/office/powerpoint/2010/main" val="4068098233"/>
+      </p:ext>
+    </p:extLst>
+  </p:cSld>
+  <p:clrMapOvr>
+    <a:masterClrMapping/>
+  </p:clrMapOvr>
+</p:sld>
+</file>
+
+<file path=ppt/slides/slide12.xml><?xml version="1.0" encoding="utf-8"?>
+<p:sld xmlns:a="http://schemas.openxmlformats.org/drawingml/2006/main" xmlns:r="http://schemas.openxmlformats.org/officeDocument/2006/relationships" xmlns:p="http://schemas.openxmlformats.org/presentationml/2006/main">
+  <p:cSld>
+    <p:spTree>
+      <p:nvGrpSpPr>
+        <p:cNvPr id="1" name=""/>
+        <p:cNvGrpSpPr/>
+        <p:nvPr/>
+      </p:nvGrpSpPr>
+      <p:grpSpPr>
+        <a:xfrm>
+          <a:off x="0" y="0"/>
+          <a:ext cx="0" cy="0"/>
+          <a:chOff x="0" y="0"/>
+          <a:chExt cx="0" cy="0"/>
+        </a:xfrm>
+      </p:grpSpPr>
+      <p:sp>
+        <p:nvSpPr>
+          <p:cNvPr id="2" name="Title 1">
+            <a:extLst>
+              <a:ext uri="{FF2B5EF4-FFF2-40B4-BE49-F238E27FC236}">
+                <a16:creationId xmlns:a16="http://schemas.microsoft.com/office/drawing/2014/main" id="{3FF5616E-540A-335E-8251-A6010E8862F2}"/>
+              </a:ext>
+            </a:extLst>
+          </p:cNvPr>
+          <p:cNvSpPr>
+            <a:spLocks noGrp="1"/>
+          </p:cNvSpPr>
+          <p:nvPr>
+            <p:ph type="title"/>
+          </p:nvPr>
+        </p:nvSpPr>
+        <p:spPr/>
+        <p:txBody>
+          <a:bodyPr/>
+          <a:lstStyle/>
+          <a:p>
+            <a:r>
+              <a:rPr lang="en-US" dirty="0"/>
+              <a:t>HTML …</a:t>
+            </a:r>
+          </a:p>
+        </p:txBody>
+      </p:sp>
+      <p:sp>
+        <p:nvSpPr>
+          <p:cNvPr id="3" name="Content Placeholder 2">
+            <a:extLst>
+              <a:ext uri="{FF2B5EF4-FFF2-40B4-BE49-F238E27FC236}">
+                <a16:creationId xmlns:a16="http://schemas.microsoft.com/office/drawing/2014/main" id="{0D168463-C4DF-4E26-02D2-F580B838F992}"/>
+              </a:ext>
+            </a:extLst>
+          </p:cNvPr>
+          <p:cNvSpPr>
+            <a:spLocks noGrp="1"/>
+          </p:cNvSpPr>
+          <p:nvPr>
+            <p:ph idx="1"/>
+          </p:nvPr>
+        </p:nvSpPr>
+        <p:spPr/>
+        <p:txBody>
+          <a:bodyPr/>
+          <a:lstStyle/>
+          <a:p>
+            <a:r>
+              <a:rPr lang="en-US" dirty="0"/>
+              <a:t>Tag:</a:t>
+            </a:r>
+          </a:p>
+          <a:p>
+            <a:r>
+              <a:rPr lang="en-US" dirty="0"/>
+              <a:t>Elements:</a:t>
+            </a:r>
+          </a:p>
+          <a:p>
+            <a:r>
+              <a:rPr lang="en-US" dirty="0"/>
+              <a:t>Attributes:</a:t>
+            </a:r>
+          </a:p>
+          <a:p>
+            <a:r>
+              <a:rPr lang="en-US" dirty="0"/>
+              <a:t>Entity: &amp; ;… we write something in between and it renders the special character…</a:t>
+            </a:r>
+          </a:p>
+          <a:p>
+            <a:endParaRPr lang="en-US" dirty="0"/>
+          </a:p>
+        </p:txBody>
+      </p:sp>
+    </p:spTree>
+    <p:extLst>
+      <p:ext uri="{BB962C8B-B14F-4D97-AF65-F5344CB8AC3E}">
+        <p14:creationId xmlns:p14="http://schemas.microsoft.com/office/powerpoint/2010/main" val="1526374108"/>
+      </p:ext>
+    </p:extLst>
+  </p:cSld>
+  <p:clrMapOvr>
+    <a:masterClrMapping/>
+  </p:clrMapOvr>
+</p:sld>
+</file>
+
+<file path=ppt/slides/slide13.xml><?xml version="1.0" encoding="utf-8"?>
+<p:sld xmlns:a="http://schemas.openxmlformats.org/drawingml/2006/main" xmlns:r="http://schemas.openxmlformats.org/officeDocument/2006/relationships" xmlns:p="http://schemas.openxmlformats.org/presentationml/2006/main">
+  <p:cSld>
+    <p:spTree>
+      <p:nvGrpSpPr>
+        <p:cNvPr id="1" name=""/>
+        <p:cNvGrpSpPr/>
+        <p:nvPr/>
+      </p:nvGrpSpPr>
+      <p:grpSpPr>
+        <a:xfrm>
+          <a:off x="0" y="0"/>
+          <a:ext cx="0" cy="0"/>
+          <a:chOff x="0" y="0"/>
+          <a:chExt cx="0" cy="0"/>
+        </a:xfrm>
+      </p:grpSpPr>
+      <p:sp>
+        <p:nvSpPr>
+          <p:cNvPr id="2" name="Title 1">
+            <a:extLst>
+              <a:ext uri="{FF2B5EF4-FFF2-40B4-BE49-F238E27FC236}">
+                <a16:creationId xmlns:a16="http://schemas.microsoft.com/office/drawing/2014/main" id="{2EA1BF42-2DDD-E38F-F1F8-68EC301ED54D}"/>
+              </a:ext>
+            </a:extLst>
+          </p:cNvPr>
+          <p:cNvSpPr>
+            <a:spLocks noGrp="1"/>
+          </p:cNvSpPr>
+          <p:nvPr>
+            <p:ph type="title"/>
+          </p:nvPr>
+        </p:nvSpPr>
+        <p:spPr/>
+        <p:txBody>
+          <a:bodyPr/>
+          <a:lstStyle/>
+          <a:p>
+            <a:r>
+              <a:rPr lang="en-US" dirty="0"/>
+              <a:t>Metadata!</a:t>
+            </a:r>
+          </a:p>
+        </p:txBody>
+      </p:sp>
+      <p:sp>
+        <p:nvSpPr>
+          <p:cNvPr id="3" name="Content Placeholder 2">
+            <a:extLst>
+              <a:ext uri="{FF2B5EF4-FFF2-40B4-BE49-F238E27FC236}">
+                <a16:creationId xmlns:a16="http://schemas.microsoft.com/office/drawing/2014/main" id="{C9207EE6-811E-3DCF-B1CA-EB4A4B69732A}"/>
+              </a:ext>
+            </a:extLst>
+          </p:cNvPr>
+          <p:cNvSpPr>
+            <a:spLocks noGrp="1"/>
+          </p:cNvSpPr>
+          <p:nvPr>
+            <p:ph idx="1"/>
+          </p:nvPr>
+        </p:nvSpPr>
+        <p:spPr/>
+        <p:txBody>
+          <a:bodyPr/>
+          <a:lstStyle/>
+          <a:p>
+            <a:pPr marL="0" indent="0">
+              <a:buNone/>
+            </a:pPr>
+            <a:r>
+              <a:rPr lang="en-US" dirty="0"/>
+              <a:t>&lt;link&gt;… links from this document to external resources such as CSS style sheets…</a:t>
+            </a:r>
+          </a:p>
+          <a:p>
+            <a:pPr marL="0" indent="0">
+              <a:buNone/>
+            </a:pPr>
+            <a:r>
+              <a:rPr lang="en-US" dirty="0"/>
+              <a:t>&lt;meta&gt; - metadata that can’t be included via other elements..</a:t>
+            </a:r>
+          </a:p>
+          <a:p>
+            <a:pPr marL="0" indent="0">
+              <a:buNone/>
+            </a:pPr>
+            <a:r>
+              <a:rPr lang="en-US" dirty="0"/>
+              <a:t>&lt;title&gt; - the document’s title</a:t>
+            </a:r>
+          </a:p>
+        </p:txBody>
+      </p:sp>
+    </p:spTree>
+    <p:extLst>
+      <p:ext uri="{BB962C8B-B14F-4D97-AF65-F5344CB8AC3E}">
+        <p14:creationId xmlns:p14="http://schemas.microsoft.com/office/powerpoint/2010/main" val="3947425811"/>
+      </p:ext>
+    </p:extLst>
+  </p:cSld>
+  <p:clrMapOvr>
+    <a:masterClrMapping/>
+  </p:clrMapOvr>
+</p:sld>
+</file>
+
+<file path=ppt/slides/slide14.xml><?xml version="1.0" encoding="utf-8"?>
+<p:sld xmlns:a="http://schemas.openxmlformats.org/drawingml/2006/main" xmlns:r="http://schemas.openxmlformats.org/officeDocument/2006/relationships" xmlns:p="http://schemas.openxmlformats.org/presentationml/2006/main">
+  <p:cSld>
+    <p:spTree>
+      <p:nvGrpSpPr>
+        <p:cNvPr id="1" name=""/>
+        <p:cNvGrpSpPr/>
+        <p:nvPr/>
+      </p:nvGrpSpPr>
+      <p:grpSpPr>
+        <a:xfrm>
+          <a:off x="0" y="0"/>
+          <a:ext cx="0" cy="0"/>
+          <a:chOff x="0" y="0"/>
+          <a:chExt cx="0" cy="0"/>
+        </a:xfrm>
+      </p:grpSpPr>
+      <p:sp>
+        <p:nvSpPr>
+          <p:cNvPr id="2" name="Title 1">
+            <a:extLst>
+              <a:ext uri="{FF2B5EF4-FFF2-40B4-BE49-F238E27FC236}">
+                <a16:creationId xmlns:a16="http://schemas.microsoft.com/office/drawing/2014/main" id="{5669451F-6512-128F-9B0A-0AA755ACBE5D}"/>
+              </a:ext>
+            </a:extLst>
+          </p:cNvPr>
+          <p:cNvSpPr>
+            <a:spLocks noGrp="1"/>
+          </p:cNvSpPr>
+          <p:nvPr>
+            <p:ph type="title"/>
+          </p:nvPr>
+        </p:nvSpPr>
+        <p:spPr/>
+        <p:txBody>
+          <a:bodyPr/>
+          <a:lstStyle/>
+          <a:p>
+            <a:r>
+              <a:rPr lang="en-US" dirty="0"/>
+              <a:t>Major document sections</a:t>
+            </a:r>
+          </a:p>
+        </p:txBody>
+      </p:sp>
+      <p:sp>
+        <p:nvSpPr>
+          <p:cNvPr id="3" name="Content Placeholder 2">
+            <a:extLst>
+              <a:ext uri="{FF2B5EF4-FFF2-40B4-BE49-F238E27FC236}">
+                <a16:creationId xmlns:a16="http://schemas.microsoft.com/office/drawing/2014/main" id="{FD2E14C1-39B6-C63F-D2A6-37EAAC82E036}"/>
+              </a:ext>
+            </a:extLst>
+          </p:cNvPr>
+          <p:cNvSpPr>
+            <a:spLocks noGrp="1"/>
+          </p:cNvSpPr>
+          <p:nvPr>
+            <p:ph idx="1"/>
+          </p:nvPr>
+        </p:nvSpPr>
+        <p:spPr/>
+        <p:txBody>
+          <a:bodyPr/>
+          <a:lstStyle/>
+          <a:p>
+            <a:r>
+              <a:rPr lang="en-US" dirty="0"/>
+              <a:t>&lt;html&gt;</a:t>
+            </a:r>
+          </a:p>
+          <a:p>
+            <a:r>
+              <a:rPr lang="en-US" dirty="0"/>
+              <a:t>&lt;head&gt;</a:t>
+            </a:r>
+          </a:p>
+          <a:p>
+            <a:r>
+              <a:rPr lang="en-US" dirty="0"/>
+              <a:t>&lt;body&gt;</a:t>
+            </a:r>
+          </a:p>
+          <a:p>
+            <a:endParaRPr lang="en-US" dirty="0"/>
+          </a:p>
+          <a:p>
+            <a:endParaRPr lang="en-US" dirty="0"/>
+          </a:p>
+          <a:p>
+            <a:r>
+              <a:rPr lang="en-US" dirty="0"/>
+              <a:t>ALWAYS VALIDATE YOUR ASSIGNMENT BEFORE SUBMITTING…</a:t>
+            </a:r>
+          </a:p>
+          <a:p>
+            <a:r>
+              <a:rPr lang="en-US" dirty="0"/>
+              <a:t>NO RED ELEMENT/ATTRIBUTE IN YOUR ASSIGNMENT…</a:t>
+            </a:r>
+          </a:p>
+        </p:txBody>
+      </p:sp>
+    </p:spTree>
+    <p:extLst>
+      <p:ext uri="{BB962C8B-B14F-4D97-AF65-F5344CB8AC3E}">
+        <p14:creationId xmlns:p14="http://schemas.microsoft.com/office/powerpoint/2010/main" val="3033708408"/>
+      </p:ext>
+    </p:extLst>
+  </p:cSld>
+  <p:clrMapOvr>
+    <a:masterClrMapping/>
+  </p:clrMapOvr>
+</p:sld>
+</file>
+
+<file path=ppt/slides/slide15.xml><?xml version="1.0" encoding="utf-8"?>
+<p:sld xmlns:a="http://schemas.openxmlformats.org/drawingml/2006/main" xmlns:r="http://schemas.openxmlformats.org/officeDocument/2006/relationships" xmlns:p="http://schemas.openxmlformats.org/presentationml/2006/main">
+  <p:cSld>
+    <p:spTree>
+      <p:nvGrpSpPr>
+        <p:cNvPr id="1" name=""/>
+        <p:cNvGrpSpPr/>
+        <p:nvPr/>
+      </p:nvGrpSpPr>
+      <p:grpSpPr>
+        <a:xfrm>
+          <a:off x="0" y="0"/>
+          <a:ext cx="0" cy="0"/>
+          <a:chOff x="0" y="0"/>
+          <a:chExt cx="0" cy="0"/>
+        </a:xfrm>
+      </p:grpSpPr>
+      <p:sp>
+        <p:nvSpPr>
+          <p:cNvPr id="2" name="Title 1">
+            <a:extLst>
+              <a:ext uri="{FF2B5EF4-FFF2-40B4-BE49-F238E27FC236}">
+                <a16:creationId xmlns:a16="http://schemas.microsoft.com/office/drawing/2014/main" id="{475250C9-84EB-1F2A-61F2-381B50203B99}"/>
+              </a:ext>
+            </a:extLst>
+          </p:cNvPr>
+          <p:cNvSpPr>
+            <a:spLocks noGrp="1"/>
+          </p:cNvSpPr>
+          <p:nvPr>
+            <p:ph type="title"/>
+          </p:nvPr>
+        </p:nvSpPr>
+        <p:spPr/>
+        <p:txBody>
+          <a:bodyPr/>
+          <a:lstStyle/>
+          <a:p>
+            <a:r>
+              <a:rPr lang="en-US" dirty="0"/>
+              <a:t>Content Sections – ALWAYS INSIDE &lt;body&gt;</a:t>
+            </a:r>
+          </a:p>
+        </p:txBody>
+      </p:sp>
+      <p:sp>
+        <p:nvSpPr>
+          <p:cNvPr id="3" name="Content Placeholder 2">
+            <a:extLst>
+              <a:ext uri="{FF2B5EF4-FFF2-40B4-BE49-F238E27FC236}">
+                <a16:creationId xmlns:a16="http://schemas.microsoft.com/office/drawing/2014/main" id="{853BC910-92EE-2EAB-745E-9168A06FFE34}"/>
+              </a:ext>
+            </a:extLst>
+          </p:cNvPr>
+          <p:cNvSpPr>
+            <a:spLocks noGrp="1"/>
+          </p:cNvSpPr>
+          <p:nvPr>
+            <p:ph idx="1"/>
+          </p:nvPr>
+        </p:nvSpPr>
+        <p:spPr/>
+        <p:txBody>
+          <a:bodyPr/>
+          <a:lstStyle/>
+          <a:p>
+            <a:r>
+              <a:rPr lang="en-US" dirty="0"/>
+              <a:t>&lt;header&gt; - introductory material at the top of the document.</a:t>
+            </a:r>
+          </a:p>
+          <a:p>
+            <a:r>
+              <a:rPr lang="en-US" dirty="0"/>
+              <a:t>&lt;nav&gt; - content relate to </a:t>
+            </a:r>
+            <a:r>
+              <a:rPr lang="en-US" dirty="0" err="1"/>
+              <a:t>navigation..menu</a:t>
+            </a:r>
+            <a:r>
+              <a:rPr lang="en-US" dirty="0"/>
+              <a:t>, index, links, etc.</a:t>
+            </a:r>
+          </a:p>
+          <a:p>
+            <a:r>
+              <a:rPr lang="en-US" dirty="0"/>
+              <a:t>&lt;main&gt; - the main content of the document.. For example, the main article text that you want to convey…</a:t>
+            </a:r>
+          </a:p>
+          <a:p>
+            <a:r>
+              <a:rPr lang="en-US" dirty="0"/>
+              <a:t>&lt;h1&gt;,… &lt;/h6&gt; Headers of the content sections</a:t>
+            </a:r>
+          </a:p>
+          <a:p>
+            <a:r>
+              <a:rPr lang="en-US" dirty="0"/>
+              <a:t>&lt;footer&gt;… end material….(author, copyright </a:t>
+            </a:r>
+            <a:r>
+              <a:rPr lang="en-US" dirty="0" err="1"/>
+              <a:t>etc</a:t>
+            </a:r>
+            <a:r>
+              <a:rPr lang="en-US" dirty="0"/>
+              <a:t>)</a:t>
+            </a:r>
+          </a:p>
+        </p:txBody>
+      </p:sp>
+    </p:spTree>
+    <p:extLst>
+      <p:ext uri="{BB962C8B-B14F-4D97-AF65-F5344CB8AC3E}">
+        <p14:creationId xmlns:p14="http://schemas.microsoft.com/office/powerpoint/2010/main" val="2348583534"/>
+      </p:ext>
+    </p:extLst>
+  </p:cSld>
+  <p:clrMapOvr>
+    <a:masterClrMapping/>
+  </p:clrMapOvr>
+</p:sld>
+</file>
+
+<file path=ppt/slides/slide16.xml><?xml version="1.0" encoding="utf-8"?>
+<p:sld xmlns:a="http://schemas.openxmlformats.org/drawingml/2006/main" xmlns:r="http://schemas.openxmlformats.org/officeDocument/2006/relationships" xmlns:p="http://schemas.openxmlformats.org/presentationml/2006/main">
+  <p:cSld>
+    <p:spTree>
+      <p:nvGrpSpPr>
+        <p:cNvPr id="1" name=""/>
+        <p:cNvGrpSpPr/>
+        <p:nvPr/>
+      </p:nvGrpSpPr>
+      <p:grpSpPr>
+        <a:xfrm>
+          <a:off x="0" y="0"/>
+          <a:ext cx="0" cy="0"/>
+          <a:chOff x="0" y="0"/>
+          <a:chExt cx="0" cy="0"/>
+        </a:xfrm>
+      </p:grpSpPr>
+      <p:sp>
+        <p:nvSpPr>
+          <p:cNvPr id="2" name="Title 1">
+            <a:extLst>
+              <a:ext uri="{FF2B5EF4-FFF2-40B4-BE49-F238E27FC236}">
+                <a16:creationId xmlns:a16="http://schemas.microsoft.com/office/drawing/2014/main" id="{52889EA0-60FB-22A5-8D53-5F77B1716188}"/>
+              </a:ext>
+            </a:extLst>
+          </p:cNvPr>
+          <p:cNvSpPr>
+            <a:spLocks noGrp="1"/>
+          </p:cNvSpPr>
+          <p:nvPr>
+            <p:ph type="title"/>
+          </p:nvPr>
+        </p:nvSpPr>
+        <p:spPr/>
+        <p:txBody>
+          <a:bodyPr/>
+          <a:lstStyle/>
+          <a:p>
+            <a:r>
+              <a:rPr lang="en-US" dirty="0"/>
+              <a:t>Text content</a:t>
+            </a:r>
+          </a:p>
+        </p:txBody>
+      </p:sp>
+      <p:sp>
+        <p:nvSpPr>
+          <p:cNvPr id="3" name="Content Placeholder 2">
+            <a:extLst>
+              <a:ext uri="{FF2B5EF4-FFF2-40B4-BE49-F238E27FC236}">
+                <a16:creationId xmlns:a16="http://schemas.microsoft.com/office/drawing/2014/main" id="{DFB1A687-BB88-919A-0985-1D38762E743B}"/>
+              </a:ext>
+            </a:extLst>
+          </p:cNvPr>
+          <p:cNvSpPr>
+            <a:spLocks noGrp="1"/>
+          </p:cNvSpPr>
+          <p:nvPr>
+            <p:ph idx="1"/>
+          </p:nvPr>
+        </p:nvSpPr>
+        <p:spPr/>
+        <p:txBody>
+          <a:bodyPr/>
+          <a:lstStyle/>
+          <a:p>
+            <a:r>
+              <a:rPr lang="en-US" dirty="0"/>
+              <a:t>&lt;div&gt;.. A generic container we use to attach style or script…</a:t>
+            </a:r>
+          </a:p>
+          <a:p>
+            <a:r>
+              <a:rPr lang="en-US" dirty="0"/>
+              <a:t>&lt;</a:t>
+            </a:r>
+            <a:r>
+              <a:rPr lang="en-US" dirty="0" err="1"/>
+              <a:t>ol</a:t>
+            </a:r>
+            <a:r>
+              <a:rPr lang="en-US" dirty="0"/>
+              <a:t>&gt;.. Ordered list</a:t>
+            </a:r>
+          </a:p>
+          <a:p>
+            <a:r>
+              <a:rPr lang="en-US" dirty="0"/>
+              <a:t>&lt;</a:t>
+            </a:r>
+            <a:r>
+              <a:rPr lang="en-US" dirty="0" err="1"/>
+              <a:t>ul</a:t>
+            </a:r>
+            <a:r>
+              <a:rPr lang="en-US" dirty="0"/>
+              <a:t>&gt;.. Unordered list</a:t>
+            </a:r>
+          </a:p>
+          <a:p>
+            <a:r>
+              <a:rPr lang="en-US" dirty="0"/>
+              <a:t>&lt;li&gt;… List item</a:t>
+            </a:r>
+          </a:p>
+          <a:p>
+            <a:r>
+              <a:rPr lang="en-US" dirty="0"/>
+              <a:t>&lt;p&gt;… a paragraph</a:t>
+            </a:r>
+          </a:p>
+          <a:p>
+            <a:r>
+              <a:rPr lang="en-US" dirty="0"/>
+              <a:t>&lt;blockquote&gt;</a:t>
+            </a:r>
+          </a:p>
+        </p:txBody>
+      </p:sp>
+    </p:spTree>
+    <p:extLst>
+      <p:ext uri="{BB962C8B-B14F-4D97-AF65-F5344CB8AC3E}">
+        <p14:creationId xmlns:p14="http://schemas.microsoft.com/office/powerpoint/2010/main" val="2103399808"/>
+      </p:ext>
+    </p:extLst>
+  </p:cSld>
+  <p:clrMapOvr>
+    <a:masterClrMapping/>
+  </p:clrMapOvr>
+</p:sld>
+</file>
+
+<file path=ppt/slides/slide17.xml><?xml version="1.0" encoding="utf-8"?>
+<p:sld xmlns:a="http://schemas.openxmlformats.org/drawingml/2006/main" xmlns:r="http://schemas.openxmlformats.org/officeDocument/2006/relationships" xmlns:p="http://schemas.openxmlformats.org/presentationml/2006/main">
+  <p:cSld>
+    <p:spTree>
+      <p:nvGrpSpPr>
+        <p:cNvPr id="1" name=""/>
+        <p:cNvGrpSpPr/>
+        <p:nvPr/>
+      </p:nvGrpSpPr>
+      <p:grpSpPr>
+        <a:xfrm>
+          <a:off x="0" y="0"/>
+          <a:ext cx="0" cy="0"/>
+          <a:chOff x="0" y="0"/>
+          <a:chExt cx="0" cy="0"/>
+        </a:xfrm>
+      </p:grpSpPr>
+      <p:sp>
+        <p:nvSpPr>
+          <p:cNvPr id="2" name="Title 1">
+            <a:extLst>
+              <a:ext uri="{FF2B5EF4-FFF2-40B4-BE49-F238E27FC236}">
+                <a16:creationId xmlns:a16="http://schemas.microsoft.com/office/drawing/2014/main" id="{9ADF8013-9734-499A-E6A8-BA4F465896EA}"/>
+              </a:ext>
+            </a:extLst>
+          </p:cNvPr>
+          <p:cNvSpPr>
+            <a:spLocks noGrp="1"/>
+          </p:cNvSpPr>
+          <p:nvPr>
+            <p:ph type="title"/>
+          </p:nvPr>
+        </p:nvSpPr>
+        <p:spPr/>
+        <p:txBody>
+          <a:bodyPr/>
+          <a:lstStyle/>
+          <a:p>
+            <a:r>
+              <a:rPr lang="en-US" dirty="0"/>
+              <a:t>Inline Text:</a:t>
+            </a:r>
+          </a:p>
+        </p:txBody>
+      </p:sp>
+      <p:sp>
+        <p:nvSpPr>
+          <p:cNvPr id="3" name="Content Placeholder 2">
+            <a:extLst>
+              <a:ext uri="{FF2B5EF4-FFF2-40B4-BE49-F238E27FC236}">
+                <a16:creationId xmlns:a16="http://schemas.microsoft.com/office/drawing/2014/main" id="{640BD225-66E7-F68A-099C-215CFDFA4D7B}"/>
+              </a:ext>
+            </a:extLst>
+          </p:cNvPr>
+          <p:cNvSpPr>
+            <a:spLocks noGrp="1"/>
+          </p:cNvSpPr>
+          <p:nvPr>
+            <p:ph idx="1"/>
+          </p:nvPr>
+        </p:nvSpPr>
+        <p:spPr/>
+        <p:txBody>
+          <a:bodyPr/>
+          <a:lstStyle/>
+          <a:p>
+            <a:r>
+              <a:rPr lang="en-US" dirty="0"/>
+              <a:t>&lt;a&gt;.. Anchor is used to make links… allows user to navigate…</a:t>
+            </a:r>
+          </a:p>
+          <a:p>
+            <a:r>
+              <a:rPr lang="en-US" dirty="0"/>
+              <a:t>&lt;code&gt;… formats the text as computer code…</a:t>
+            </a:r>
+          </a:p>
+          <a:p>
+            <a:r>
+              <a:rPr lang="en-US" dirty="0"/>
+              <a:t>&lt;</a:t>
+            </a:r>
+            <a:r>
+              <a:rPr lang="en-US" dirty="0" err="1"/>
+              <a:t>em</a:t>
+            </a:r>
+            <a:r>
+              <a:rPr lang="en-US" dirty="0"/>
+              <a:t>&gt; - adds emphasis…(like italic)</a:t>
+            </a:r>
+          </a:p>
+          <a:p>
+            <a:r>
+              <a:rPr lang="en-US" dirty="0"/>
+              <a:t>&lt;span&gt; generic containers</a:t>
+            </a:r>
+          </a:p>
+        </p:txBody>
+      </p:sp>
+    </p:spTree>
+    <p:extLst>
+      <p:ext uri="{BB962C8B-B14F-4D97-AF65-F5344CB8AC3E}">
+        <p14:creationId xmlns:p14="http://schemas.microsoft.com/office/powerpoint/2010/main" val="2663477877"/>
+      </p:ext>
+    </p:extLst>
+  </p:cSld>
+  <p:clrMapOvr>
+    <a:masterClrMapping/>
+  </p:clrMapOvr>
+</p:sld>
+</file>
+
+<file path=ppt/slides/slide18.xml><?xml version="1.0" encoding="utf-8"?>
+<p:sld xmlns:a="http://schemas.openxmlformats.org/drawingml/2006/main" xmlns:r="http://schemas.openxmlformats.org/officeDocument/2006/relationships" xmlns:p="http://schemas.openxmlformats.org/presentationml/2006/main">
+  <p:cSld>
+    <p:spTree>
+      <p:nvGrpSpPr>
+        <p:cNvPr id="1" name=""/>
+        <p:cNvGrpSpPr/>
+        <p:nvPr/>
+      </p:nvGrpSpPr>
+      <p:grpSpPr>
+        <a:xfrm>
+          <a:off x="0" y="0"/>
+          <a:ext cx="0" cy="0"/>
+          <a:chOff x="0" y="0"/>
+          <a:chExt cx="0" cy="0"/>
+        </a:xfrm>
+      </p:grpSpPr>
+      <p:sp>
+        <p:nvSpPr>
+          <p:cNvPr id="2" name="Title 1">
+            <a:extLst>
+              <a:ext uri="{FF2B5EF4-FFF2-40B4-BE49-F238E27FC236}">
+                <a16:creationId xmlns:a16="http://schemas.microsoft.com/office/drawing/2014/main" id="{013282BF-879C-C087-A8B9-C5C704726571}"/>
+              </a:ext>
+            </a:extLst>
+          </p:cNvPr>
+          <p:cNvSpPr>
+            <a:spLocks noGrp="1"/>
+          </p:cNvSpPr>
+          <p:nvPr>
+            <p:ph type="title"/>
+          </p:nvPr>
+        </p:nvSpPr>
+        <p:spPr/>
+        <p:txBody>
+          <a:bodyPr/>
+          <a:lstStyle/>
+          <a:p>
+            <a:r>
+              <a:rPr lang="en-US" dirty="0"/>
+              <a:t>Multimedia</a:t>
+            </a:r>
+          </a:p>
+        </p:txBody>
+      </p:sp>
+      <p:sp>
+        <p:nvSpPr>
+          <p:cNvPr id="3" name="Content Placeholder 2">
+            <a:extLst>
+              <a:ext uri="{FF2B5EF4-FFF2-40B4-BE49-F238E27FC236}">
+                <a16:creationId xmlns:a16="http://schemas.microsoft.com/office/drawing/2014/main" id="{9CA7F769-F772-0477-A458-C1FA52EF8936}"/>
+              </a:ext>
+            </a:extLst>
+          </p:cNvPr>
+          <p:cNvSpPr>
+            <a:spLocks noGrp="1"/>
+          </p:cNvSpPr>
+          <p:nvPr>
+            <p:ph idx="1"/>
+          </p:nvPr>
+        </p:nvSpPr>
+        <p:spPr/>
+        <p:txBody>
+          <a:bodyPr/>
+          <a:lstStyle/>
+          <a:p>
+            <a:r>
+              <a:rPr lang="en-US" dirty="0"/>
+              <a:t>&lt;</a:t>
+            </a:r>
+            <a:r>
+              <a:rPr lang="en-US" dirty="0" err="1"/>
+              <a:t>img</a:t>
+            </a:r>
+            <a:r>
+              <a:rPr lang="en-US" dirty="0"/>
+              <a:t>&gt;</a:t>
+            </a:r>
+          </a:p>
+          <a:p>
+            <a:r>
+              <a:rPr lang="en-US" dirty="0"/>
+              <a:t>&lt;audio&gt;</a:t>
+            </a:r>
+          </a:p>
+          <a:p>
+            <a:r>
+              <a:rPr lang="en-US" dirty="0"/>
+              <a:t>&lt;video&gt;</a:t>
+            </a:r>
+          </a:p>
+          <a:p>
+            <a:r>
+              <a:rPr lang="en-US" dirty="0"/>
+              <a:t>&lt;canvas&gt; -  graphical area used to draw with either 2D or 3D using </a:t>
+            </a:r>
+            <a:r>
+              <a:rPr lang="en-US" dirty="0" err="1"/>
+              <a:t>javascript</a:t>
+            </a:r>
+            <a:r>
+              <a:rPr lang="en-US" dirty="0"/>
+              <a:t>..</a:t>
+            </a:r>
+          </a:p>
+        </p:txBody>
+      </p:sp>
+    </p:spTree>
+    <p:extLst>
+      <p:ext uri="{BB962C8B-B14F-4D97-AF65-F5344CB8AC3E}">
+        <p14:creationId xmlns:p14="http://schemas.microsoft.com/office/powerpoint/2010/main" val="3097499891"/>
       </p:ext>
     </p:extLst>
   </p:cSld>
